--- a/day_10/LogisticRegressionModel.pptx
+++ b/day_10/LogisticRegressionModel.pptx
@@ -16,6 +16,7 @@
     <p:sldId id="263" r:id="rId11"/>
     <p:sldId id="264" r:id="rId12"/>
     <p:sldId id="265" r:id="rId13"/>
+    <p:sldId id="266" r:id="rId14"/>
   </p:sldIdLst>
   <p:sldSz cx="9144000" cy="6858000"/>
   <p:notesSz cx="7772400" cy="10058400"/>
@@ -3279,108 +3280,8 @@
         </p:nvSpPr>
         <p:spPr>
           <a:xfrm>
-            <a:off x="611640" y="2441520"/>
-            <a:ext cx="7770240" cy="1467720"/>
-          </a:xfrm>
-          <a:prstGeom prst="rect">
-            <a:avLst/>
-          </a:prstGeom>
-          <a:noFill/>
-          <a:ln>
-            <a:noFill/>
-          </a:ln>
-        </p:spPr>
-        <p:style>
-          <a:lnRef idx="0"/>
-          <a:fillRef idx="0"/>
-          <a:effectRef idx="0"/>
-          <a:fontRef idx="minor"/>
-        </p:style>
-        <p:txBody>
-          <a:bodyPr lIns="90000" rIns="90000" tIns="45000" bIns="45000" anchor="ctr">
-            <a:normAutofit/>
-          </a:bodyPr>
-          <a:p>
-            <a:pPr algn="ctr">
-              <a:lnSpc>
-                <a:spcPct val="100000"/>
-              </a:lnSpc>
-            </a:pPr>
-            <a:r>
-              <a:rPr b="0" lang="fr-FR" sz="4000" spc="-1" strike="noStrike">
-                <a:solidFill>
-                  <a:srgbClr val="000000"/>
-                </a:solidFill>
-                <a:latin typeface="Claire Hand"/>
-                <a:ea typeface="DejaVu Sans"/>
-              </a:rPr>
-              <a:t>Logistic Regression Model</a:t>
-            </a:r>
-            <a:endParaRPr b="0" lang="en-US" sz="4000" spc="-1" strike="noStrike">
-              <a:latin typeface="Arial"/>
-            </a:endParaRPr>
-          </a:p>
-        </p:txBody>
-      </p:sp>
-      <p:sp>
-        <p:nvSpPr>
-          <p:cNvPr id="77" name="CustomShape 2"/>
-          <p:cNvSpPr/>
-          <p:nvPr/>
-        </p:nvSpPr>
-        <p:spPr>
-          <a:xfrm>
-            <a:off x="155520" y="-144360"/>
-            <a:ext cx="302760" cy="302760"/>
-          </a:xfrm>
-          <a:prstGeom prst="rect">
-            <a:avLst/>
-          </a:prstGeom>
-          <a:noFill/>
-          <a:ln>
-            <a:noFill/>
-          </a:ln>
-        </p:spPr>
-        <p:style>
-          <a:lnRef idx="0"/>
-          <a:fillRef idx="0"/>
-          <a:effectRef idx="0"/>
-          <a:fontRef idx="minor"/>
-        </p:style>
-      </p:sp>
-      <p:pic>
-        <p:nvPicPr>
-          <p:cNvPr id="78" name="Picture 4" descr="Résultat de recherche d'images pour &quot;Microservices&quot;"/>
-          <p:cNvPicPr/>
-          <p:nvPr/>
-        </p:nvPicPr>
-        <p:blipFill>
-          <a:blip r:embed="rId1"/>
-          <a:stretch/>
-        </p:blipFill>
-        <p:spPr>
-          <a:xfrm>
-            <a:off x="155520" y="160200"/>
-            <a:ext cx="4774320" cy="1851120"/>
-          </a:xfrm>
-          <a:prstGeom prst="rect">
-            <a:avLst/>
-          </a:prstGeom>
-          <a:ln>
-            <a:noFill/>
-          </a:ln>
-        </p:spPr>
-      </p:pic>
-      <p:sp>
-        <p:nvSpPr>
-          <p:cNvPr id="79" name="CustomShape 3"/>
-          <p:cNvSpPr/>
-          <p:nvPr/>
-        </p:nvSpPr>
-        <p:spPr>
-          <a:xfrm>
-            <a:off x="2468880" y="3910320"/>
-            <a:ext cx="2467800" cy="345240"/>
+            <a:off x="2103120" y="2468880"/>
+            <a:ext cx="3094920" cy="345240"/>
           </a:xfrm>
           <a:prstGeom prst="rect">
             <a:avLst/>
@@ -3414,7 +3315,7 @@
                 <a:latin typeface="Arial"/>
                 <a:ea typeface="DejaVu Sans"/>
               </a:rPr>
-              <a:t>Rama Shanker</a:t>
+              <a:t>Logistic Regression Model With Case study</a:t>
             </a:r>
             <a:endParaRPr b="0" lang="en-US" sz="1800" spc="-1" strike="noStrike">
               <a:latin typeface="Arial"/>
@@ -3452,9 +3353,62 @@
           <a:chExt cx="0" cy="0"/>
         </a:xfrm>
       </p:grpSpPr>
-      <p:sp>
-        <p:nvSpPr>
-          <p:cNvPr id="88" name="CustomShape 1"/>
+      <p:pic>
+        <p:nvPicPr>
+          <p:cNvPr id="88" name="" descr=""/>
+          <p:cNvPicPr/>
+          <p:nvPr/>
+        </p:nvPicPr>
+        <p:blipFill>
+          <a:blip r:embed="rId1"/>
+          <a:stretch/>
+        </p:blipFill>
+        <p:spPr>
+          <a:xfrm>
+            <a:off x="441360" y="1005840"/>
+            <a:ext cx="8719560" cy="5110560"/>
+          </a:xfrm>
+          <a:prstGeom prst="rect">
+            <a:avLst/>
+          </a:prstGeom>
+          <a:ln>
+            <a:noFill/>
+          </a:ln>
+        </p:spPr>
+      </p:pic>
+    </p:spTree>
+  </p:cSld>
+  <mc:AlternateContent>
+    <mc:Choice Requires="p14">
+      <p:transition spd="slow" p14:dur="2000"/>
+    </mc:Choice>
+    <mc:Fallback>
+      <p:transition spd="slow"/>
+    </mc:Fallback>
+  </mc:AlternateContent>
+</p:sld>
+</file>
+
+<file path=ppt/slides/slide11.xml><?xml version="1.0" encoding="utf-8"?>
+<p:sld xmlns:a="http://schemas.openxmlformats.org/drawingml/2006/main" xmlns:p="http://schemas.openxmlformats.org/presentationml/2006/main" xmlns:r="http://schemas.openxmlformats.org/officeDocument/2006/relationships" xmlns:p14="http://schemas.microsoft.com/office/powerpoint/2010/main" xmlns:p15="http://schemas.microsoft.com/office/powerpoint/2012/main" xmlns:mc="http://schemas.openxmlformats.org/markup-compatibility/2006">
+  <p:cSld>
+    <p:spTree>
+      <p:nvGrpSpPr>
+        <p:cNvPr id="1" name=""/>
+        <p:cNvGrpSpPr/>
+        <p:nvPr/>
+      </p:nvGrpSpPr>
+      <p:grpSpPr>
+        <a:xfrm>
+          <a:off x="0" y="0"/>
+          <a:ext cx="0" cy="0"/>
+          <a:chOff x="0" y="0"/>
+          <a:chExt cx="0" cy="0"/>
+        </a:xfrm>
+      </p:grpSpPr>
+      <p:sp>
+        <p:nvSpPr>
+          <p:cNvPr id="89" name="CustomShape 1"/>
           <p:cNvSpPr/>
           <p:nvPr/>
         </p:nvSpPr>
@@ -3535,14 +3489,114 @@
       </p:grpSpPr>
       <p:sp>
         <p:nvSpPr>
-          <p:cNvPr id="80" name="CustomShape 1"/>
+          <p:cNvPr id="77" name="CustomShape 1"/>
           <p:cNvSpPr/>
           <p:nvPr/>
         </p:nvSpPr>
         <p:spPr>
           <a:xfrm>
-            <a:off x="2103120" y="2468880"/>
-            <a:ext cx="3095280" cy="345600"/>
+            <a:off x="611640" y="2441520"/>
+            <a:ext cx="7769880" cy="1467360"/>
+          </a:xfrm>
+          <a:prstGeom prst="rect">
+            <a:avLst/>
+          </a:prstGeom>
+          <a:noFill/>
+          <a:ln>
+            <a:noFill/>
+          </a:ln>
+        </p:spPr>
+        <p:style>
+          <a:lnRef idx="0"/>
+          <a:fillRef idx="0"/>
+          <a:effectRef idx="0"/>
+          <a:fontRef idx="minor"/>
+        </p:style>
+        <p:txBody>
+          <a:bodyPr lIns="90000" rIns="90000" tIns="45000" bIns="45000" anchor="ctr">
+            <a:normAutofit/>
+          </a:bodyPr>
+          <a:p>
+            <a:pPr algn="ctr">
+              <a:lnSpc>
+                <a:spcPct val="100000"/>
+              </a:lnSpc>
+            </a:pPr>
+            <a:r>
+              <a:rPr b="0" lang="fr-FR" sz="4000" spc="-1" strike="noStrike">
+                <a:solidFill>
+                  <a:srgbClr val="000000"/>
+                </a:solidFill>
+                <a:latin typeface="Claire Hand"/>
+                <a:ea typeface="DejaVu Sans"/>
+              </a:rPr>
+              <a:t>Logistic Regression Model</a:t>
+            </a:r>
+            <a:endParaRPr b="0" lang="en-US" sz="4000" spc="-1" strike="noStrike">
+              <a:latin typeface="Arial"/>
+            </a:endParaRPr>
+          </a:p>
+        </p:txBody>
+      </p:sp>
+      <p:sp>
+        <p:nvSpPr>
+          <p:cNvPr id="78" name="CustomShape 2"/>
+          <p:cNvSpPr/>
+          <p:nvPr/>
+        </p:nvSpPr>
+        <p:spPr>
+          <a:xfrm>
+            <a:off x="155520" y="-144360"/>
+            <a:ext cx="302400" cy="302400"/>
+          </a:xfrm>
+          <a:prstGeom prst="rect">
+            <a:avLst/>
+          </a:prstGeom>
+          <a:noFill/>
+          <a:ln>
+            <a:noFill/>
+          </a:ln>
+        </p:spPr>
+        <p:style>
+          <a:lnRef idx="0"/>
+          <a:fillRef idx="0"/>
+          <a:effectRef idx="0"/>
+          <a:fontRef idx="minor"/>
+        </p:style>
+      </p:sp>
+      <p:pic>
+        <p:nvPicPr>
+          <p:cNvPr id="79" name="Picture 4" descr="Résultat de recherche d'images pour &quot;Microservices&quot;"/>
+          <p:cNvPicPr/>
+          <p:nvPr/>
+        </p:nvPicPr>
+        <p:blipFill>
+          <a:blip r:embed="rId1"/>
+          <a:stretch/>
+        </p:blipFill>
+        <p:spPr>
+          <a:xfrm>
+            <a:off x="155520" y="160200"/>
+            <a:ext cx="4773960" cy="1850760"/>
+          </a:xfrm>
+          <a:prstGeom prst="rect">
+            <a:avLst/>
+          </a:prstGeom>
+          <a:ln>
+            <a:noFill/>
+          </a:ln>
+        </p:spPr>
+      </p:pic>
+      <p:sp>
+        <p:nvSpPr>
+          <p:cNvPr id="80" name="CustomShape 3"/>
+          <p:cNvSpPr/>
+          <p:nvPr/>
+        </p:nvSpPr>
+        <p:spPr>
+          <a:xfrm>
+            <a:off x="2468880" y="3910320"/>
+            <a:ext cx="2467440" cy="344880"/>
           </a:xfrm>
           <a:prstGeom prst="rect">
             <a:avLst/>
@@ -3576,7 +3630,7 @@
                 <a:latin typeface="Arial"/>
                 <a:ea typeface="DejaVu Sans"/>
               </a:rPr>
-              <a:t>Logistic Regression Model With Case study</a:t>
+              <a:t>Rama Shanker</a:t>
             </a:r>
             <a:endParaRPr b="0" lang="en-US" sz="1800" spc="-1" strike="noStrike">
               <a:latin typeface="Arial"/>
@@ -3627,7 +3681,7 @@
         <p:spPr>
           <a:xfrm>
             <a:off x="457200" y="1188720"/>
-            <a:ext cx="8246880" cy="4218120"/>
+            <a:ext cx="8246520" cy="4217760"/>
           </a:xfrm>
           <a:prstGeom prst="rect">
             <a:avLst/>
@@ -3680,7 +3734,7 @@
         <p:spPr>
           <a:xfrm>
             <a:off x="429840" y="457200"/>
-            <a:ext cx="7708320" cy="6268680"/>
+            <a:ext cx="7707960" cy="6268320"/>
           </a:xfrm>
           <a:prstGeom prst="rect">
             <a:avLst/>
@@ -3732,8 +3786,8 @@
         </p:blipFill>
         <p:spPr>
           <a:xfrm>
-            <a:off x="531360" y="623520"/>
-            <a:ext cx="8246880" cy="5777280"/>
+            <a:off x="429840" y="457200"/>
+            <a:ext cx="7707960" cy="6268320"/>
           </a:xfrm>
           <a:prstGeom prst="rect">
             <a:avLst/>
@@ -3785,8 +3839,8 @@
         </p:blipFill>
         <p:spPr>
           <a:xfrm>
-            <a:off x="287640" y="91440"/>
-            <a:ext cx="8307720" cy="6535800"/>
+            <a:off x="531360" y="623520"/>
+            <a:ext cx="8246520" cy="5776920"/>
           </a:xfrm>
           <a:prstGeom prst="rect">
             <a:avLst/>
@@ -3838,8 +3892,8 @@
         </p:blipFill>
         <p:spPr>
           <a:xfrm>
-            <a:off x="640080" y="506160"/>
-            <a:ext cx="8188920" cy="5711760"/>
+            <a:off x="287640" y="91440"/>
+            <a:ext cx="8307360" cy="6535440"/>
           </a:xfrm>
           <a:prstGeom prst="rect">
             <a:avLst/>
@@ -3891,8 +3945,8 @@
         </p:blipFill>
         <p:spPr>
           <a:xfrm>
-            <a:off x="274320" y="654120"/>
-            <a:ext cx="8521200" cy="5746680"/>
+            <a:off x="640080" y="506160"/>
+            <a:ext cx="8188560" cy="5711400"/>
           </a:xfrm>
           <a:prstGeom prst="rect">
             <a:avLst/>
@@ -3944,8 +3998,8 @@
         </p:blipFill>
         <p:spPr>
           <a:xfrm>
-            <a:off x="441360" y="1005840"/>
-            <a:ext cx="8719920" cy="5110920"/>
+            <a:off x="274320" y="654120"/>
+            <a:ext cx="8520840" cy="5746320"/>
           </a:xfrm>
           <a:prstGeom prst="rect">
             <a:avLst/>
